--- a/little-language.pptx
+++ b/little-language.pptx
@@ -11,10 +11,11 @@
     <p:sldId id="259" r:id="rId5"/>
     <p:sldId id="260" r:id="rId6"/>
     <p:sldId id="261" r:id="rId7"/>
-    <p:sldId id="262" r:id="rId8"/>
-    <p:sldId id="264" r:id="rId9"/>
-    <p:sldId id="263" r:id="rId10"/>
-    <p:sldId id="265" r:id="rId11"/>
+    <p:sldId id="266" r:id="rId8"/>
+    <p:sldId id="262" r:id="rId9"/>
+    <p:sldId id="264" r:id="rId10"/>
+    <p:sldId id="263" r:id="rId11"/>
+    <p:sldId id="265" r:id="rId12"/>
   </p:sldIdLst>
   <p:sldSz cx="9144000" cy="6858000" type="screen4x3"/>
   <p:notesSz cx="6858000" cy="9144000"/>
@@ -3774,6 +3775,287 @@
           <a:p>
             <a:r>
               <a:rPr lang="en-US" dirty="0"/>
+              <a:t>Lexical Analyzer</a:t>
+            </a:r>
+          </a:p>
+        </p:txBody>
+      </p:sp>
+      <p:sp>
+        <p:nvSpPr>
+          <p:cNvPr id="3" name="Content Placeholder 2"/>
+          <p:cNvSpPr>
+            <a:spLocks noGrp="1"/>
+          </p:cNvSpPr>
+          <p:nvPr>
+            <p:ph idx="1"/>
+          </p:nvPr>
+        </p:nvSpPr>
+        <p:spPr/>
+        <p:txBody>
+          <a:bodyPr>
+            <a:normAutofit fontScale="47500" lnSpcReduction="20000"/>
+          </a:bodyPr>
+          <a:lstStyle/>
+          <a:p>
+            <a:r>
+              <a:rPr lang="en-US" dirty="0"/>
+              <a:t>Accepts a sequence of characters and converts them into a sequence of terminal symbols (a.k.a. tokens).</a:t>
+            </a:r>
+          </a:p>
+          <a:p>
+            <a:r>
+              <a:rPr lang="en-US" dirty="0"/>
+              <a:t>Each token has a </a:t>
+            </a:r>
+            <a:r>
+              <a:rPr lang="en-US" u="sng" dirty="0"/>
+              <a:t>type</a:t>
+            </a:r>
+            <a:r>
+              <a:rPr lang="en-US" dirty="0"/>
+              <a:t> which can be expressed as a regular expression and a </a:t>
+            </a:r>
+            <a:r>
+              <a:rPr lang="en-US" u="sng" dirty="0"/>
+              <a:t>lexeme</a:t>
+            </a:r>
+            <a:r>
+              <a:rPr lang="en-US" dirty="0"/>
+              <a:t>, which is the string that matched the regular expression for the token in question.  </a:t>
+            </a:r>
+          </a:p>
+          <a:p>
+            <a:r>
+              <a:rPr lang="en-US" dirty="0"/>
+              <a:t>Token Types: PLUS, MINUS, MULTIPLY, DIVIDE, LEFT_PAREN, RIGHT_PAREN, DIE, NUMBER, EOS</a:t>
+            </a:r>
+          </a:p>
+          <a:p>
+            <a:r>
+              <a:rPr lang="en-US" dirty="0"/>
+              <a:t>For an expression such as: “</a:t>
+            </a:r>
+            <a:r>
+              <a:rPr lang="en-US" b="1" dirty="0"/>
+              <a:t>1d20 + 5 – 1d4”</a:t>
+            </a:r>
+            <a:r>
+              <a:rPr lang="en-US" dirty="0"/>
+              <a:t>, the sequence of tokens produced by consecutive calls to </a:t>
+            </a:r>
+            <a:r>
+              <a:rPr lang="en-US" dirty="0" err="1"/>
+              <a:t>lexer.nextToken</a:t>
+            </a:r>
+            <a:r>
+              <a:rPr lang="en-US" dirty="0"/>
+              <a:t>() are:</a:t>
+            </a:r>
+          </a:p>
+          <a:p>
+            <a:pPr marL="0" indent="0">
+              <a:buNone/>
+            </a:pPr>
+            <a:endParaRPr lang="en-US" dirty="0"/>
+          </a:p>
+          <a:p>
+            <a:pPr marL="793750" lvl="1" indent="-457200">
+              <a:buFont typeface="+mj-lt"/>
+              <a:buAutoNum type="arabicPeriod"/>
+            </a:pPr>
+            <a:r>
+              <a:rPr lang="en-US" dirty="0"/>
+              <a:t>Token {type=NUMBER, lexeme=“1”}</a:t>
+            </a:r>
+          </a:p>
+          <a:p>
+            <a:pPr marL="793750" lvl="1" indent="-457200">
+              <a:buFont typeface="+mj-lt"/>
+              <a:buAutoNum type="arabicPeriod"/>
+            </a:pPr>
+            <a:r>
+              <a:rPr lang="en-US" dirty="0"/>
+              <a:t>Token {type=DIE, lexeme=“d”}</a:t>
+            </a:r>
+          </a:p>
+          <a:p>
+            <a:pPr marL="793750" lvl="1" indent="-457200">
+              <a:buFont typeface="+mj-lt"/>
+              <a:buAutoNum type="arabicPeriod"/>
+            </a:pPr>
+            <a:r>
+              <a:rPr lang="en-US" dirty="0"/>
+              <a:t>Token {type=NUMBER, lexeme=“20”}</a:t>
+            </a:r>
+          </a:p>
+          <a:p>
+            <a:pPr marL="793750" lvl="1" indent="-457200">
+              <a:buFont typeface="+mj-lt"/>
+              <a:buAutoNum type="arabicPeriod"/>
+            </a:pPr>
+            <a:r>
+              <a:rPr lang="en-US" dirty="0"/>
+              <a:t>Token {type=PLUS, lexeme=“+”}</a:t>
+            </a:r>
+          </a:p>
+          <a:p>
+            <a:pPr marL="793750" lvl="1" indent="-457200">
+              <a:buFont typeface="+mj-lt"/>
+              <a:buAutoNum type="arabicPeriod"/>
+            </a:pPr>
+            <a:r>
+              <a:rPr lang="en-US" dirty="0"/>
+              <a:t>Token {type=NUMBER, lexeme=“5”}</a:t>
+            </a:r>
+          </a:p>
+          <a:p>
+            <a:pPr marL="793750" lvl="1" indent="-457200">
+              <a:buFont typeface="+mj-lt"/>
+              <a:buAutoNum type="arabicPeriod"/>
+            </a:pPr>
+            <a:r>
+              <a:rPr lang="en-US" dirty="0"/>
+              <a:t>Token {type=MINUS, lexeme=“-”}</a:t>
+            </a:r>
+          </a:p>
+          <a:p>
+            <a:pPr marL="793750" lvl="1" indent="-457200">
+              <a:buFont typeface="+mj-lt"/>
+              <a:buAutoNum type="arabicPeriod"/>
+            </a:pPr>
+            <a:r>
+              <a:rPr lang="en-US" dirty="0"/>
+              <a:t>Token {type=NUMBER, lexeme=“1”}</a:t>
+            </a:r>
+          </a:p>
+          <a:p>
+            <a:pPr marL="793750" lvl="1" indent="-457200">
+              <a:buFont typeface="+mj-lt"/>
+              <a:buAutoNum type="arabicPeriod"/>
+            </a:pPr>
+            <a:r>
+              <a:rPr lang="en-US" dirty="0"/>
+              <a:t>Token {type=DIE, lexeme=“d”}</a:t>
+            </a:r>
+          </a:p>
+          <a:p>
+            <a:pPr marL="793750" lvl="1" indent="-457200">
+              <a:buFont typeface="+mj-lt"/>
+              <a:buAutoNum type="arabicPeriod"/>
+            </a:pPr>
+            <a:r>
+              <a:rPr lang="en-US" dirty="0"/>
+              <a:t>Token {type=NUMBER, lexeme=“4”}</a:t>
+            </a:r>
+          </a:p>
+          <a:p>
+            <a:pPr marL="793750" lvl="1" indent="-457200">
+              <a:buFont typeface="+mj-lt"/>
+              <a:buAutoNum type="arabicPeriod"/>
+            </a:pPr>
+            <a:r>
+              <a:rPr lang="en-US" dirty="0"/>
+              <a:t>Token {type=EOS, lexeme=null}</a:t>
+            </a:r>
+          </a:p>
+          <a:p>
+            <a:pPr marL="793750" lvl="1" indent="-457200">
+              <a:buFont typeface="+mj-lt"/>
+              <a:buAutoNum type="arabicPeriod"/>
+            </a:pPr>
+            <a:endParaRPr lang="en-US" dirty="0"/>
+          </a:p>
+          <a:p>
+            <a:pPr marL="793750" lvl="1" indent="-457200">
+              <a:buFont typeface="+mj-lt"/>
+              <a:buAutoNum type="arabicPeriod"/>
+            </a:pPr>
+            <a:endParaRPr lang="en-US" dirty="0"/>
+          </a:p>
+          <a:p>
+            <a:pPr marL="793750" lvl="1" indent="-457200">
+              <a:buFont typeface="+mj-lt"/>
+              <a:buAutoNum type="arabicPeriod"/>
+            </a:pPr>
+            <a:endParaRPr lang="en-US" dirty="0"/>
+          </a:p>
+          <a:p>
+            <a:pPr marL="793750" lvl="1" indent="-457200">
+              <a:buFont typeface="+mj-lt"/>
+              <a:buAutoNum type="arabicPeriod"/>
+            </a:pPr>
+            <a:endParaRPr lang="en-US" dirty="0"/>
+          </a:p>
+          <a:p>
+            <a:pPr marL="793750" lvl="1" indent="-457200">
+              <a:buFont typeface="+mj-lt"/>
+              <a:buAutoNum type="arabicPeriod"/>
+            </a:pPr>
+            <a:endParaRPr lang="en-US" dirty="0"/>
+          </a:p>
+          <a:p>
+            <a:pPr marL="793750" lvl="1" indent="-457200">
+              <a:buFont typeface="+mj-lt"/>
+              <a:buAutoNum type="arabicPeriod"/>
+            </a:pPr>
+            <a:endParaRPr lang="en-US" dirty="0"/>
+          </a:p>
+          <a:p>
+            <a:pPr marL="793750" lvl="1" indent="-457200">
+              <a:buFont typeface="+mj-lt"/>
+              <a:buAutoNum type="arabicPeriod"/>
+            </a:pPr>
+            <a:endParaRPr lang="en-US" dirty="0"/>
+          </a:p>
+        </p:txBody>
+      </p:sp>
+    </p:spTree>
+    <p:extLst>
+      <p:ext uri="{BB962C8B-B14F-4D97-AF65-F5344CB8AC3E}">
+        <p14:creationId xmlns:p14="http://schemas.microsoft.com/office/powerpoint/2010/main" val="36553630"/>
+      </p:ext>
+    </p:extLst>
+  </p:cSld>
+  <p:clrMapOvr>
+    <a:masterClrMapping/>
+  </p:clrMapOvr>
+</p:sld>
+</file>
+
+<file path=ppt/slides/slide11.xml><?xml version="1.0" encoding="utf-8"?>
+<p:sld xmlns:a="http://schemas.openxmlformats.org/drawingml/2006/main" xmlns:r="http://schemas.openxmlformats.org/officeDocument/2006/relationships" xmlns:p="http://schemas.openxmlformats.org/presentationml/2006/main">
+  <p:cSld>
+    <p:spTree>
+      <p:nvGrpSpPr>
+        <p:cNvPr id="1" name=""/>
+        <p:cNvGrpSpPr/>
+        <p:nvPr/>
+      </p:nvGrpSpPr>
+      <p:grpSpPr>
+        <a:xfrm>
+          <a:off x="0" y="0"/>
+          <a:ext cx="0" cy="0"/>
+          <a:chOff x="0" y="0"/>
+          <a:chExt cx="0" cy="0"/>
+        </a:xfrm>
+      </p:grpSpPr>
+      <p:sp>
+        <p:nvSpPr>
+          <p:cNvPr id="2" name="Title 1"/>
+          <p:cNvSpPr>
+            <a:spLocks noGrp="1"/>
+          </p:cNvSpPr>
+          <p:nvPr>
+            <p:ph type="title"/>
+          </p:nvPr>
+        </p:nvSpPr>
+        <p:spPr/>
+        <p:txBody>
+          <a:bodyPr/>
+          <a:lstStyle/>
+          <a:p>
+            <a:r>
+              <a:rPr lang="en-US" dirty="0"/>
               <a:t>Parser</a:t>
             </a:r>
           </a:p>
@@ -4793,10 +5075,10 @@
       </p:sp>
       <p:pic>
         <p:nvPicPr>
-          <p:cNvPr id="6" name="Content Placeholder 5" descr="Diagram&#10;&#10;Description automatically generated">
+          <p:cNvPr id="7" name="Content Placeholder 6">
             <a:extLst>
               <a:ext uri="{FF2B5EF4-FFF2-40B4-BE49-F238E27FC236}">
-                <a16:creationId xmlns:a16="http://schemas.microsoft.com/office/drawing/2014/main" id="{BFEFE5C5-9139-2942-659E-5EF9837878CD}"/>
+                <a16:creationId xmlns:a16="http://schemas.microsoft.com/office/drawing/2014/main" id="{222A5B1B-60EB-9E45-ABF2-7B916C547F22}"/>
               </a:ext>
             </a:extLst>
           </p:cNvPr>
@@ -4821,8 +5103,8 @@
         </p:blipFill>
         <p:spPr>
           <a:xfrm>
-            <a:off x="1137870" y="1600200"/>
-            <a:ext cx="6865084" cy="4343400"/>
+            <a:off x="971389" y="1444531"/>
+            <a:ext cx="6723821" cy="4348071"/>
           </a:xfrm>
         </p:spPr>
       </p:pic>
@@ -4878,286 +5160,45 @@
           </a:p>
         </p:txBody>
       </p:sp>
-      <p:sp>
-        <p:nvSpPr>
-          <p:cNvPr id="3" name="Content Placeholder 2"/>
-          <p:cNvSpPr>
-            <a:spLocks noGrp="1"/>
-          </p:cNvSpPr>
+      <p:pic>
+        <p:nvPicPr>
+          <p:cNvPr id="6" name="Content Placeholder 5" descr="Diagram&#10;&#10;Description automatically generated">
+            <a:extLst>
+              <a:ext uri="{FF2B5EF4-FFF2-40B4-BE49-F238E27FC236}">
+                <a16:creationId xmlns:a16="http://schemas.microsoft.com/office/drawing/2014/main" id="{BFEFE5C5-9139-2942-659E-5EF9837878CD}"/>
+              </a:ext>
+            </a:extLst>
+          </p:cNvPr>
+          <p:cNvPicPr>
+            <a:picLocks noGrp="1" noChangeAspect="1"/>
+          </p:cNvPicPr>
           <p:nvPr>
             <p:ph idx="1"/>
           </p:nvPr>
-        </p:nvSpPr>
-        <p:spPr/>
-        <p:txBody>
-          <a:bodyPr>
-            <a:normAutofit/>
-          </a:bodyPr>
-          <a:lstStyle/>
-          <a:p>
-            <a:pPr marL="0" indent="0">
-              <a:buNone/>
-            </a:pPr>
-            <a:r>
-              <a:rPr lang="en-US" b="1" dirty="0"/>
-              <a:t>1d20 + 5 – 1d4</a:t>
-            </a:r>
-          </a:p>
-          <a:p>
-            <a:pPr marL="0" indent="0">
-              <a:buNone/>
-            </a:pPr>
-            <a:endParaRPr lang="en-US" dirty="0">
-              <a:latin typeface="Courier New"/>
-              <a:cs typeface="Courier New"/>
-            </a:endParaRPr>
-          </a:p>
-          <a:p>
-            <a:pPr marL="0" indent="0">
-              <a:lnSpc>
-                <a:spcPct val="20000"/>
-              </a:lnSpc>
-              <a:spcBef>
-                <a:spcPts val="1400"/>
-              </a:spcBef>
-              <a:buNone/>
-            </a:pPr>
-            <a:r>
-              <a:rPr lang="en-US" sz="1400" b="1" dirty="0"/>
-              <a:t>Expression e = new </a:t>
-            </a:r>
-            <a:r>
-              <a:rPr lang="en-US" sz="1400" b="1" dirty="0" err="1"/>
-              <a:t>MinusExpression</a:t>
-            </a:r>
-            <a:r>
-              <a:rPr lang="en-US" sz="1400" b="1" dirty="0"/>
-              <a:t>(</a:t>
-            </a:r>
-          </a:p>
-          <a:p>
-            <a:pPr marL="0" indent="0">
-              <a:lnSpc>
-                <a:spcPct val="20000"/>
-              </a:lnSpc>
-              <a:spcBef>
-                <a:spcPts val="1400"/>
-              </a:spcBef>
-              <a:buNone/>
-            </a:pPr>
-            <a:r>
-              <a:rPr lang="en-US" sz="1400" b="1" dirty="0"/>
-              <a:t>                            new </a:t>
-            </a:r>
-            <a:r>
-              <a:rPr lang="en-US" sz="1400" b="1" dirty="0" err="1"/>
-              <a:t>PlusExpression</a:t>
-            </a:r>
-            <a:r>
-              <a:rPr lang="en-US" sz="1400" b="1" dirty="0"/>
-              <a:t>(</a:t>
-            </a:r>
-          </a:p>
-          <a:p>
-            <a:pPr marL="0" indent="0">
-              <a:lnSpc>
-                <a:spcPct val="20000"/>
-              </a:lnSpc>
-              <a:spcBef>
-                <a:spcPts val="1400"/>
-              </a:spcBef>
-              <a:buNone/>
-            </a:pPr>
-            <a:r>
-              <a:rPr lang="en-US" sz="1400" dirty="0"/>
-              <a:t>                              </a:t>
-            </a:r>
-            <a:r>
-              <a:rPr lang="en-US" sz="1400" b="1" dirty="0"/>
-              <a:t>new </a:t>
-            </a:r>
-            <a:r>
-              <a:rPr lang="en-US" sz="1400" b="1" dirty="0" err="1"/>
-              <a:t>DiceRollExpression</a:t>
-            </a:r>
-            <a:r>
-              <a:rPr lang="en-US" sz="1400" b="1" dirty="0"/>
-              <a:t>(1, Die.D20), </a:t>
-            </a:r>
-          </a:p>
-          <a:p>
-            <a:pPr marL="0" indent="0">
-              <a:lnSpc>
-                <a:spcPct val="20000"/>
-              </a:lnSpc>
-              <a:spcBef>
-                <a:spcPts val="1400"/>
-              </a:spcBef>
-              <a:buNone/>
-            </a:pPr>
-            <a:r>
-              <a:rPr lang="en-US" sz="1400" dirty="0"/>
-              <a:t>                              </a:t>
-            </a:r>
-            <a:r>
-              <a:rPr lang="en-US" sz="1400" b="1" dirty="0"/>
-              <a:t>new </a:t>
-            </a:r>
-            <a:r>
-              <a:rPr lang="en-US" sz="1400" b="1" dirty="0" err="1"/>
-              <a:t>ValueExpression</a:t>
-            </a:r>
-            <a:r>
-              <a:rPr lang="en-US" sz="1400" b="1" dirty="0"/>
-              <a:t>(5)</a:t>
-            </a:r>
-          </a:p>
-          <a:p>
-            <a:pPr marL="0" indent="0">
-              <a:lnSpc>
-                <a:spcPct val="20000"/>
-              </a:lnSpc>
-              <a:spcBef>
-                <a:spcPts val="1400"/>
-              </a:spcBef>
-              <a:buNone/>
-            </a:pPr>
-            <a:r>
-              <a:rPr lang="de-DE" sz="1400" b="1" dirty="0"/>
-              <a:t>                            ),</a:t>
-            </a:r>
-          </a:p>
-          <a:p>
-            <a:pPr marL="0" indent="0">
-              <a:lnSpc>
-                <a:spcPct val="20000"/>
-              </a:lnSpc>
-              <a:spcBef>
-                <a:spcPts val="1400"/>
-              </a:spcBef>
-              <a:buNone/>
-            </a:pPr>
-            <a:r>
-              <a:rPr lang="de-DE" sz="1400" b="1" dirty="0"/>
-              <a:t>                            </a:t>
-            </a:r>
-            <a:r>
-              <a:rPr lang="de-DE" sz="1400" b="1" dirty="0" err="1"/>
-              <a:t>new</a:t>
-            </a:r>
-            <a:r>
-              <a:rPr lang="de-DE" sz="1400" b="1" dirty="0"/>
-              <a:t> </a:t>
-            </a:r>
-            <a:r>
-              <a:rPr lang="de-DE" sz="1400" b="1" dirty="0" err="1"/>
-              <a:t>DiceRollExpression</a:t>
-            </a:r>
-            <a:r>
-              <a:rPr lang="de-DE" sz="1400" b="1" dirty="0"/>
-              <a:t>(1, Die.D4)</a:t>
-            </a:r>
-          </a:p>
-          <a:p>
-            <a:pPr marL="0" indent="0">
-              <a:lnSpc>
-                <a:spcPct val="20000"/>
-              </a:lnSpc>
-              <a:spcBef>
-                <a:spcPts val="1400"/>
-              </a:spcBef>
-              <a:buNone/>
-            </a:pPr>
-            <a:r>
-              <a:rPr lang="de-DE" sz="1400" b="1" dirty="0"/>
-              <a:t>                         );</a:t>
-            </a:r>
-          </a:p>
-          <a:p>
-            <a:pPr marL="0" indent="0">
-              <a:lnSpc>
-                <a:spcPct val="20000"/>
-              </a:lnSpc>
-              <a:spcBef>
-                <a:spcPts val="1400"/>
-              </a:spcBef>
-              <a:buNone/>
-            </a:pPr>
-            <a:endParaRPr lang="de-DE" sz="1400" b="1" dirty="0"/>
-          </a:p>
-          <a:p>
-            <a:pPr marL="0" indent="0">
-              <a:lnSpc>
-                <a:spcPct val="20000"/>
-              </a:lnSpc>
-              <a:spcBef>
-                <a:spcPts val="1400"/>
-              </a:spcBef>
-              <a:buNone/>
-            </a:pPr>
-            <a:r>
-              <a:rPr lang="de-DE" sz="1400" dirty="0" err="1"/>
-              <a:t>int</a:t>
-            </a:r>
-            <a:r>
-              <a:rPr lang="de-DE" sz="1400" dirty="0"/>
-              <a:t> </a:t>
-            </a:r>
-            <a:r>
-              <a:rPr lang="de-DE" sz="1400" dirty="0" err="1"/>
-              <a:t>result</a:t>
-            </a:r>
-            <a:r>
-              <a:rPr lang="de-DE" sz="1400" dirty="0"/>
-              <a:t> = </a:t>
-            </a:r>
-            <a:r>
-              <a:rPr lang="de-DE" sz="1400" b="1" dirty="0" err="1"/>
-              <a:t>e.roll</a:t>
-            </a:r>
-            <a:r>
-              <a:rPr lang="de-DE" sz="1400" b="1" dirty="0"/>
-              <a:t>()</a:t>
-            </a:r>
-            <a:r>
-              <a:rPr lang="de-DE" sz="1400" dirty="0"/>
-              <a:t>;</a:t>
-            </a:r>
-          </a:p>
-          <a:p>
-            <a:pPr marL="0" indent="0">
-              <a:lnSpc>
-                <a:spcPct val="20000"/>
-              </a:lnSpc>
-              <a:spcBef>
-                <a:spcPts val="1400"/>
-              </a:spcBef>
-              <a:buNone/>
-            </a:pPr>
-            <a:r>
-              <a:rPr lang="de-DE" sz="1400" dirty="0" err="1"/>
-              <a:t>System.out.println</a:t>
-            </a:r>
-            <a:r>
-              <a:rPr lang="de-DE" sz="1400" dirty="0"/>
-              <a:t>(</a:t>
-            </a:r>
-            <a:r>
-              <a:rPr lang="de-DE" sz="1400" dirty="0" err="1"/>
-              <a:t>result</a:t>
-            </a:r>
-            <a:r>
-              <a:rPr lang="de-DE" sz="1400" dirty="0"/>
-              <a:t>);</a:t>
-            </a:r>
-            <a:endParaRPr lang="en-US" sz="1400" dirty="0"/>
-          </a:p>
-        </p:txBody>
-      </p:sp>
+        </p:nvPicPr>
+        <p:blipFill>
+          <a:blip r:embed="rId2">
+            <a:extLst>
+              <a:ext uri="{28A0092B-C50C-407E-A947-70E740481C1C}">
+                <a14:useLocalDpi xmlns:a14="http://schemas.microsoft.com/office/drawing/2010/main" val="0"/>
+              </a:ext>
+            </a:extLst>
+          </a:blip>
+          <a:stretch>
+            <a:fillRect/>
+          </a:stretch>
+        </p:blipFill>
+        <p:spPr>
+          <a:xfrm>
+            <a:off x="1137870" y="1600200"/>
+            <a:ext cx="6865084" cy="4343400"/>
+          </a:xfrm>
+        </p:spPr>
+      </p:pic>
     </p:spTree>
     <p:extLst>
       <p:ext uri="{BB962C8B-B14F-4D97-AF65-F5344CB8AC3E}">
-        <p14:creationId xmlns:p14="http://schemas.microsoft.com/office/powerpoint/2010/main" val="382459200"/>
+        <p14:creationId xmlns:p14="http://schemas.microsoft.com/office/powerpoint/2010/main" val="2196875712"/>
       </p:ext>
     </p:extLst>
   </p:cSld>
@@ -5201,7 +5242,7 @@
           <a:p>
             <a:r>
               <a:rPr lang="en-US" dirty="0"/>
-              <a:t>Building a Little Language Parser</a:t>
+              <a:t>Object Model: Composite Pattern</a:t>
             </a:r>
           </a:p>
         </p:txBody>
@@ -5219,40 +5260,26 @@
         <p:spPr/>
         <p:txBody>
           <a:bodyPr>
-            <a:normAutofit lnSpcReduction="10000"/>
+            <a:normAutofit/>
           </a:bodyPr>
           <a:lstStyle/>
           <a:p>
-            <a:r>
-              <a:rPr lang="en-US" dirty="0"/>
-              <a:t>The goal of our parser is to convert a string representing an expression such as “1d20 + 5 – 1d4” into a composite object like the one we created programmatically in the previous slide.</a:t>
-            </a:r>
-          </a:p>
-          <a:p>
-            <a:r>
-              <a:rPr lang="en-US" dirty="0"/>
-              <a:t>The little language parser will be subdivided into two separate processes:</a:t>
-            </a:r>
-          </a:p>
-          <a:p>
-            <a:pPr marL="806450" lvl="1" indent="-457200">
-              <a:buFont typeface="+mj-lt"/>
-              <a:buAutoNum type="arabicPeriod"/>
+            <a:pPr marL="0" indent="0">
+              <a:buNone/>
             </a:pPr>
             <a:r>
-              <a:rPr lang="en-US" dirty="0"/>
-              <a:t>Lexical Analyzer: converts a sequence of characters into a sequence of language-specific terminal symbols.</a:t>
-            </a:r>
-          </a:p>
-          <a:p>
-            <a:pPr marL="806450" lvl="1" indent="-457200">
-              <a:buFont typeface="+mj-lt"/>
-              <a:buAutoNum type="arabicPeriod"/>
+              <a:rPr lang="en-US" b="1" dirty="0"/>
+              <a:t>1d20 + 5 – 1d4</a:t>
+            </a:r>
+          </a:p>
+          <a:p>
+            <a:pPr marL="0" indent="0">
+              <a:buNone/>
             </a:pPr>
-            <a:r>
-              <a:rPr lang="en-US" dirty="0"/>
-              <a:t>Parser: converts a sequence of terminal symbols into a composite object.</a:t>
-            </a:r>
+            <a:endParaRPr lang="en-US" dirty="0">
+              <a:latin typeface="Courier New"/>
+              <a:cs typeface="Courier New"/>
+            </a:endParaRPr>
           </a:p>
           <a:p>
             <a:pPr marL="0" indent="0">
@@ -5264,10 +5291,18 @@
               </a:spcBef>
               <a:buNone/>
             </a:pPr>
-            <a:endParaRPr lang="de-DE" sz="1400" b="1" dirty="0">
-              <a:latin typeface="Courier New"/>
-              <a:cs typeface="Courier New"/>
-            </a:endParaRPr>
+            <a:r>
+              <a:rPr lang="en-US" sz="1400" b="1" dirty="0"/>
+              <a:t>Expression e = new </a:t>
+            </a:r>
+            <a:r>
+              <a:rPr lang="en-US" sz="1400" b="1" dirty="0" err="1"/>
+              <a:t>MinusExpression</a:t>
+            </a:r>
+            <a:r>
+              <a:rPr lang="en-US" sz="1400" b="1" dirty="0"/>
+              <a:t>(</a:t>
+            </a:r>
           </a:p>
           <a:p>
             <a:pPr marL="0" indent="0">
@@ -5279,32 +5314,219 @@
               </a:spcBef>
               <a:buNone/>
             </a:pPr>
-            <a:endParaRPr lang="de-DE" sz="1400" b="1" dirty="0">
-              <a:latin typeface="Courier New"/>
-              <a:cs typeface="Courier New"/>
-            </a:endParaRPr>
+            <a:r>
+              <a:rPr lang="en-US" sz="1400" b="1" dirty="0"/>
+              <a:t>                            new </a:t>
+            </a:r>
+            <a:r>
+              <a:rPr lang="en-US" sz="1400" b="1" dirty="0" err="1"/>
+              <a:t>PlusExpression</a:t>
+            </a:r>
+            <a:r>
+              <a:rPr lang="en-US" sz="1400" b="1" dirty="0"/>
+              <a:t>(</a:t>
+            </a:r>
           </a:p>
           <a:p>
             <a:pPr marL="0" indent="0">
+              <a:lnSpc>
+                <a:spcPct val="20000"/>
+              </a:lnSpc>
+              <a:spcBef>
+                <a:spcPts val="1400"/>
+              </a:spcBef>
               <a:buNone/>
             </a:pPr>
-            <a:endParaRPr lang="en-US" sz="1400" dirty="0">
-              <a:latin typeface="Courier New"/>
-              <a:cs typeface="Courier New"/>
-            </a:endParaRPr>
-          </a:p>
-          <a:p>
-            <a:endParaRPr lang="en-US" dirty="0"/>
-          </a:p>
-          <a:p>
-            <a:endParaRPr lang="en-US" dirty="0"/>
+            <a:r>
+              <a:rPr lang="en-US" sz="1400" dirty="0"/>
+              <a:t>                              </a:t>
+            </a:r>
+            <a:r>
+              <a:rPr lang="en-US" sz="1400" b="1" dirty="0"/>
+              <a:t>new </a:t>
+            </a:r>
+            <a:r>
+              <a:rPr lang="en-US" sz="1400" b="1" dirty="0" err="1"/>
+              <a:t>DiceRollExpression</a:t>
+            </a:r>
+            <a:r>
+              <a:rPr lang="en-US" sz="1400" b="1" dirty="0"/>
+              <a:t>(1, Die.D20), </a:t>
+            </a:r>
+          </a:p>
+          <a:p>
+            <a:pPr marL="0" indent="0">
+              <a:lnSpc>
+                <a:spcPct val="20000"/>
+              </a:lnSpc>
+              <a:spcBef>
+                <a:spcPts val="1400"/>
+              </a:spcBef>
+              <a:buNone/>
+            </a:pPr>
+            <a:r>
+              <a:rPr lang="en-US" sz="1400" dirty="0"/>
+              <a:t>                              </a:t>
+            </a:r>
+            <a:r>
+              <a:rPr lang="en-US" sz="1400" b="1" dirty="0"/>
+              <a:t>new </a:t>
+            </a:r>
+            <a:r>
+              <a:rPr lang="en-US" sz="1400" b="1" dirty="0" err="1"/>
+              <a:t>ValueExpression</a:t>
+            </a:r>
+            <a:r>
+              <a:rPr lang="en-US" sz="1400" b="1" dirty="0"/>
+              <a:t>(5)</a:t>
+            </a:r>
+          </a:p>
+          <a:p>
+            <a:pPr marL="0" indent="0">
+              <a:lnSpc>
+                <a:spcPct val="20000"/>
+              </a:lnSpc>
+              <a:spcBef>
+                <a:spcPts val="1400"/>
+              </a:spcBef>
+              <a:buNone/>
+            </a:pPr>
+            <a:r>
+              <a:rPr lang="de-DE" sz="1400" b="1" dirty="0"/>
+              <a:t>                            ),</a:t>
+            </a:r>
+          </a:p>
+          <a:p>
+            <a:pPr marL="0" indent="0">
+              <a:lnSpc>
+                <a:spcPct val="20000"/>
+              </a:lnSpc>
+              <a:spcBef>
+                <a:spcPts val="1400"/>
+              </a:spcBef>
+              <a:buNone/>
+            </a:pPr>
+            <a:r>
+              <a:rPr lang="de-DE" sz="1400" b="1" dirty="0"/>
+              <a:t>                            </a:t>
+            </a:r>
+            <a:r>
+              <a:rPr lang="de-DE" sz="1400" b="1" dirty="0" err="1"/>
+              <a:t>new</a:t>
+            </a:r>
+            <a:r>
+              <a:rPr lang="de-DE" sz="1400" b="1" dirty="0"/>
+              <a:t> </a:t>
+            </a:r>
+            <a:r>
+              <a:rPr lang="de-DE" sz="1400" b="1" dirty="0" err="1"/>
+              <a:t>DiceRollExpression</a:t>
+            </a:r>
+            <a:r>
+              <a:rPr lang="de-DE" sz="1400" b="1" dirty="0"/>
+              <a:t>(1, Die.D4)</a:t>
+            </a:r>
+          </a:p>
+          <a:p>
+            <a:pPr marL="0" indent="0">
+              <a:lnSpc>
+                <a:spcPct val="20000"/>
+              </a:lnSpc>
+              <a:spcBef>
+                <a:spcPts val="1400"/>
+              </a:spcBef>
+              <a:buNone/>
+            </a:pPr>
+            <a:r>
+              <a:rPr lang="de-DE" sz="1400" b="1" dirty="0"/>
+              <a:t>                         );</a:t>
+            </a:r>
+          </a:p>
+          <a:p>
+            <a:pPr marL="0" indent="0">
+              <a:lnSpc>
+                <a:spcPct val="20000"/>
+              </a:lnSpc>
+              <a:spcBef>
+                <a:spcPts val="1400"/>
+              </a:spcBef>
+              <a:buNone/>
+            </a:pPr>
+            <a:endParaRPr lang="de-DE" sz="1400" b="1" dirty="0"/>
+          </a:p>
+          <a:p>
+            <a:pPr marL="0" indent="0">
+              <a:lnSpc>
+                <a:spcPct val="20000"/>
+              </a:lnSpc>
+              <a:spcBef>
+                <a:spcPts val="1400"/>
+              </a:spcBef>
+              <a:buNone/>
+            </a:pPr>
+            <a:r>
+              <a:rPr lang="de-DE" sz="1400" dirty="0" err="1"/>
+              <a:t>int</a:t>
+            </a:r>
+            <a:r>
+              <a:rPr lang="de-DE" sz="1400" dirty="0"/>
+              <a:t> </a:t>
+            </a:r>
+            <a:r>
+              <a:rPr lang="de-DE" sz="1400" dirty="0" err="1"/>
+              <a:t>result</a:t>
+            </a:r>
+            <a:r>
+              <a:rPr lang="de-DE" sz="1400" dirty="0"/>
+              <a:t> = </a:t>
+            </a:r>
+            <a:r>
+              <a:rPr lang="de-DE" sz="1400" b="1" dirty="0" err="1"/>
+              <a:t>e.roll</a:t>
+            </a:r>
+            <a:r>
+              <a:rPr lang="de-DE" sz="1400" b="1" dirty="0"/>
+              <a:t>()</a:t>
+            </a:r>
+            <a:r>
+              <a:rPr lang="de-DE" sz="1400" dirty="0"/>
+              <a:t>;</a:t>
+            </a:r>
+          </a:p>
+          <a:p>
+            <a:pPr marL="0" indent="0">
+              <a:lnSpc>
+                <a:spcPct val="20000"/>
+              </a:lnSpc>
+              <a:spcBef>
+                <a:spcPts val="1400"/>
+              </a:spcBef>
+              <a:buNone/>
+            </a:pPr>
+            <a:r>
+              <a:rPr lang="de-DE" sz="1400" dirty="0" err="1"/>
+              <a:t>System.out.println</a:t>
+            </a:r>
+            <a:r>
+              <a:rPr lang="de-DE" sz="1400" dirty="0"/>
+              <a:t>(</a:t>
+            </a:r>
+            <a:r>
+              <a:rPr lang="de-DE" sz="1400" dirty="0" err="1"/>
+              <a:t>result</a:t>
+            </a:r>
+            <a:r>
+              <a:rPr lang="de-DE" sz="1400" dirty="0"/>
+              <a:t>);</a:t>
+            </a:r>
+            <a:endParaRPr lang="en-US" sz="1400" dirty="0"/>
           </a:p>
         </p:txBody>
       </p:sp>
     </p:spTree>
     <p:extLst>
       <p:ext uri="{BB962C8B-B14F-4D97-AF65-F5344CB8AC3E}">
-        <p14:creationId xmlns:p14="http://schemas.microsoft.com/office/powerpoint/2010/main" val="2655495462"/>
+        <p14:creationId xmlns:p14="http://schemas.microsoft.com/office/powerpoint/2010/main" val="382459200"/>
       </p:ext>
     </p:extLst>
   </p:cSld>
@@ -5348,7 +5570,7 @@
           <a:p>
             <a:r>
               <a:rPr lang="en-US" dirty="0"/>
-              <a:t>Lexical Analyzer</a:t>
+              <a:t>Building a Little Language Parser</a:t>
             </a:r>
           </a:p>
         </p:txBody>
@@ -5366,218 +5588,84 @@
         <p:spPr/>
         <p:txBody>
           <a:bodyPr>
-            <a:normAutofit fontScale="47500" lnSpcReduction="20000"/>
+            <a:normAutofit lnSpcReduction="10000"/>
           </a:bodyPr>
           <a:lstStyle/>
           <a:p>
             <a:r>
               <a:rPr lang="en-US" dirty="0"/>
-              <a:t>Accepts a sequence of characters and converts them into a sequence of terminal symbols (a.k.a. tokens).</a:t>
+              <a:t>The goal of our parser is to convert a string representing an expression such as “1d20 + 5 – 1d4” into a composite object like the one we created programmatically in the previous slide.</a:t>
             </a:r>
           </a:p>
           <a:p>
             <a:r>
               <a:rPr lang="en-US" dirty="0"/>
-              <a:t>Each token has a </a:t>
-            </a:r>
-            <a:r>
-              <a:rPr lang="en-US" u="sng" dirty="0"/>
-              <a:t>type</a:t>
-            </a:r>
-            <a:r>
-              <a:rPr lang="en-US" dirty="0"/>
-              <a:t> which can be expressed as a regular expression and a </a:t>
-            </a:r>
-            <a:r>
-              <a:rPr lang="en-US" u="sng" dirty="0"/>
-              <a:t>lexeme</a:t>
-            </a:r>
-            <a:r>
-              <a:rPr lang="en-US" dirty="0"/>
-              <a:t>, which is the string that matched the regular expression for the token in question.  </a:t>
-            </a:r>
-          </a:p>
-          <a:p>
-            <a:r>
-              <a:rPr lang="en-US" dirty="0"/>
-              <a:t>Token Types: PLUS, MINUS, MULTIPLY, DIVIDE, LEFT_PAREN, RIGHT_PAREN, DIE, NUMBER, EOS</a:t>
-            </a:r>
-          </a:p>
-          <a:p>
-            <a:r>
-              <a:rPr lang="en-US" dirty="0"/>
-              <a:t>For an expression such as: “</a:t>
-            </a:r>
-            <a:r>
-              <a:rPr lang="en-US" b="1" dirty="0"/>
-              <a:t>1d20 + 5 – 1d4”</a:t>
-            </a:r>
-            <a:r>
-              <a:rPr lang="en-US" dirty="0"/>
-              <a:t>, the sequence of tokens produced by consecutive calls to </a:t>
-            </a:r>
-            <a:r>
-              <a:rPr lang="en-US" dirty="0" err="1"/>
-              <a:t>lexer.nextToken</a:t>
-            </a:r>
-            <a:r>
-              <a:rPr lang="en-US" dirty="0"/>
-              <a:t>() are:</a:t>
-            </a:r>
-          </a:p>
-          <a:p>
-            <a:pPr marL="0" indent="0">
-              <a:buNone/>
-            </a:pPr>
-            <a:endParaRPr lang="en-US" dirty="0"/>
-          </a:p>
-          <a:p>
-            <a:pPr marL="793750" lvl="1" indent="-457200">
+              <a:t>The little language parser will be subdivided into two separate processes:</a:t>
+            </a:r>
+          </a:p>
+          <a:p>
+            <a:pPr marL="806450" lvl="1" indent="-457200">
               <a:buFont typeface="+mj-lt"/>
               <a:buAutoNum type="arabicPeriod"/>
             </a:pPr>
             <a:r>
               <a:rPr lang="en-US" dirty="0"/>
-              <a:t>Token {type=NUMBER, lexeme=“1”}</a:t>
-            </a:r>
-          </a:p>
-          <a:p>
-            <a:pPr marL="793750" lvl="1" indent="-457200">
+              <a:t>Lexical Analyzer: converts a sequence of characters into a sequence of language-specific terminal symbols (i.e. tokens), trimming out all whitespace.</a:t>
+            </a:r>
+          </a:p>
+          <a:p>
+            <a:pPr marL="806450" lvl="1" indent="-457200">
               <a:buFont typeface="+mj-lt"/>
               <a:buAutoNum type="arabicPeriod"/>
             </a:pPr>
             <a:r>
               <a:rPr lang="en-US" dirty="0"/>
-              <a:t>Token {type=DIE, lexeme=“d”}</a:t>
-            </a:r>
-          </a:p>
-          <a:p>
-            <a:pPr marL="793750" lvl="1" indent="-457200">
-              <a:buFont typeface="+mj-lt"/>
-              <a:buAutoNum type="arabicPeriod"/>
+              <a:t>Parser: converts a sequence of tokens into a composite object.</a:t>
+            </a:r>
+          </a:p>
+          <a:p>
+            <a:pPr marL="0" indent="0">
+              <a:lnSpc>
+                <a:spcPct val="20000"/>
+              </a:lnSpc>
+              <a:spcBef>
+                <a:spcPts val="1400"/>
+              </a:spcBef>
+              <a:buNone/>
             </a:pPr>
-            <a:r>
-              <a:rPr lang="en-US" dirty="0"/>
-              <a:t>Token {type=NUMBER, lexeme=“20”}</a:t>
-            </a:r>
-          </a:p>
-          <a:p>
-            <a:pPr marL="793750" lvl="1" indent="-457200">
-              <a:buFont typeface="+mj-lt"/>
-              <a:buAutoNum type="arabicPeriod"/>
+            <a:endParaRPr lang="de-DE" sz="1400" b="1" dirty="0">
+              <a:latin typeface="Courier New"/>
+              <a:cs typeface="Courier New"/>
+            </a:endParaRPr>
+          </a:p>
+          <a:p>
+            <a:pPr marL="0" indent="0">
+              <a:lnSpc>
+                <a:spcPct val="20000"/>
+              </a:lnSpc>
+              <a:spcBef>
+                <a:spcPts val="1400"/>
+              </a:spcBef>
+              <a:buNone/>
             </a:pPr>
-            <a:r>
-              <a:rPr lang="en-US" dirty="0"/>
-              <a:t>Token {type=PLUS, lexeme=“+”}</a:t>
-            </a:r>
-          </a:p>
-          <a:p>
-            <a:pPr marL="793750" lvl="1" indent="-457200">
-              <a:buFont typeface="+mj-lt"/>
-              <a:buAutoNum type="arabicPeriod"/>
+            <a:endParaRPr lang="de-DE" sz="1400" b="1" dirty="0">
+              <a:latin typeface="Courier New"/>
+              <a:cs typeface="Courier New"/>
+            </a:endParaRPr>
+          </a:p>
+          <a:p>
+            <a:pPr marL="0" indent="0">
+              <a:buNone/>
             </a:pPr>
-            <a:r>
-              <a:rPr lang="en-US" dirty="0"/>
-              <a:t>Token {type=NUMBER, lexeme=“5”}</a:t>
-            </a:r>
-          </a:p>
-          <a:p>
-            <a:pPr marL="793750" lvl="1" indent="-457200">
-              <a:buFont typeface="+mj-lt"/>
-              <a:buAutoNum type="arabicPeriod"/>
-            </a:pPr>
-            <a:r>
-              <a:rPr lang="en-US" dirty="0"/>
-              <a:t>Token {type=MINUS, lexeme=“-”}</a:t>
-            </a:r>
-          </a:p>
-          <a:p>
-            <a:pPr marL="793750" lvl="1" indent="-457200">
-              <a:buFont typeface="+mj-lt"/>
-              <a:buAutoNum type="arabicPeriod"/>
-            </a:pPr>
-            <a:r>
-              <a:rPr lang="en-US" dirty="0"/>
-              <a:t>Token {type=NUMBER, lexeme=“1”}</a:t>
-            </a:r>
-          </a:p>
-          <a:p>
-            <a:pPr marL="793750" lvl="1" indent="-457200">
-              <a:buFont typeface="+mj-lt"/>
-              <a:buAutoNum type="arabicPeriod"/>
-            </a:pPr>
-            <a:r>
-              <a:rPr lang="en-US" dirty="0"/>
-              <a:t>Token {type=DIE, lexeme=“d”}</a:t>
-            </a:r>
-          </a:p>
-          <a:p>
-            <a:pPr marL="793750" lvl="1" indent="-457200">
-              <a:buFont typeface="+mj-lt"/>
-              <a:buAutoNum type="arabicPeriod"/>
-            </a:pPr>
-            <a:r>
-              <a:rPr lang="en-US" dirty="0"/>
-              <a:t>Token {type=NUMBER, lexeme=“4”}</a:t>
-            </a:r>
-          </a:p>
-          <a:p>
-            <a:pPr marL="793750" lvl="1" indent="-457200">
-              <a:buFont typeface="+mj-lt"/>
-              <a:buAutoNum type="arabicPeriod"/>
-            </a:pPr>
-            <a:r>
-              <a:rPr lang="en-US" dirty="0"/>
-              <a:t>Token {type=EOS, lexeme=null}</a:t>
-            </a:r>
-          </a:p>
-          <a:p>
-            <a:pPr marL="793750" lvl="1" indent="-457200">
-              <a:buFont typeface="+mj-lt"/>
-              <a:buAutoNum type="arabicPeriod"/>
-            </a:pPr>
+            <a:endParaRPr lang="en-US" sz="1400" dirty="0">
+              <a:latin typeface="Courier New"/>
+              <a:cs typeface="Courier New"/>
+            </a:endParaRPr>
+          </a:p>
+          <a:p>
             <a:endParaRPr lang="en-US" dirty="0"/>
           </a:p>
           <a:p>
-            <a:pPr marL="793750" lvl="1" indent="-457200">
-              <a:buFont typeface="+mj-lt"/>
-              <a:buAutoNum type="arabicPeriod"/>
-            </a:pPr>
-            <a:endParaRPr lang="en-US" dirty="0"/>
-          </a:p>
-          <a:p>
-            <a:pPr marL="793750" lvl="1" indent="-457200">
-              <a:buFont typeface="+mj-lt"/>
-              <a:buAutoNum type="arabicPeriod"/>
-            </a:pPr>
-            <a:endParaRPr lang="en-US" dirty="0"/>
-          </a:p>
-          <a:p>
-            <a:pPr marL="793750" lvl="1" indent="-457200">
-              <a:buFont typeface="+mj-lt"/>
-              <a:buAutoNum type="arabicPeriod"/>
-            </a:pPr>
-            <a:endParaRPr lang="en-US" dirty="0"/>
-          </a:p>
-          <a:p>
-            <a:pPr marL="793750" lvl="1" indent="-457200">
-              <a:buFont typeface="+mj-lt"/>
-              <a:buAutoNum type="arabicPeriod"/>
-            </a:pPr>
-            <a:endParaRPr lang="en-US" dirty="0"/>
-          </a:p>
-          <a:p>
-            <a:pPr marL="793750" lvl="1" indent="-457200">
-              <a:buFont typeface="+mj-lt"/>
-              <a:buAutoNum type="arabicPeriod"/>
-            </a:pPr>
-            <a:endParaRPr lang="en-US" dirty="0"/>
-          </a:p>
-          <a:p>
-            <a:pPr marL="793750" lvl="1" indent="-457200">
-              <a:buFont typeface="+mj-lt"/>
-              <a:buAutoNum type="arabicPeriod"/>
-            </a:pPr>
             <a:endParaRPr lang="en-US" dirty="0"/>
           </a:p>
         </p:txBody>
@@ -5585,7 +5673,7 @@
     </p:spTree>
     <p:extLst>
       <p:ext uri="{BB962C8B-B14F-4D97-AF65-F5344CB8AC3E}">
-        <p14:creationId xmlns:p14="http://schemas.microsoft.com/office/powerpoint/2010/main" val="36553630"/>
+        <p14:creationId xmlns:p14="http://schemas.microsoft.com/office/powerpoint/2010/main" val="2655495462"/>
       </p:ext>
     </p:extLst>
   </p:cSld>

--- a/little-language.pptx
+++ b/little-language.pptx
@@ -416,7 +416,7 @@
           <a:p>
             <a:fld id="{B01F9CA3-105E-4857-9057-6DB6197DA786}" type="datetimeFigureOut">
               <a:rPr lang="en-US" smtClean="0"/>
-              <a:t>7/27/22</a:t>
+              <a:t>7/28/22</a:t>
             </a:fld>
             <a:endParaRPr lang="en-US"/>
           </a:p>
@@ -608,7 +608,7 @@
           <a:p>
             <a:fld id="{B01F9CA3-105E-4857-9057-6DB6197DA786}" type="datetimeFigureOut">
               <a:rPr lang="en-US" smtClean="0"/>
-              <a:t>7/27/22</a:t>
+              <a:t>7/28/22</a:t>
             </a:fld>
             <a:endParaRPr lang="en-US"/>
           </a:p>
@@ -877,7 +877,7 @@
           <a:p>
             <a:fld id="{B01F9CA3-105E-4857-9057-6DB6197DA786}" type="datetimeFigureOut">
               <a:rPr lang="en-US" smtClean="0"/>
-              <a:t>7/27/22</a:t>
+              <a:t>7/28/22</a:t>
             </a:fld>
             <a:endParaRPr lang="en-US"/>
           </a:p>
@@ -1056,7 +1056,7 @@
           <a:p>
             <a:fld id="{B01F9CA3-105E-4857-9057-6DB6197DA786}" type="datetimeFigureOut">
               <a:rPr lang="en-US" smtClean="0"/>
-              <a:t>7/27/22</a:t>
+              <a:t>7/28/22</a:t>
             </a:fld>
             <a:endParaRPr lang="en-US"/>
           </a:p>
@@ -1225,7 +1225,7 @@
           <a:p>
             <a:fld id="{B01F9CA3-105E-4857-9057-6DB6197DA786}" type="datetimeFigureOut">
               <a:rPr lang="en-US" smtClean="0"/>
-              <a:t>7/27/22</a:t>
+              <a:t>7/28/22</a:t>
             </a:fld>
             <a:endParaRPr lang="en-US"/>
           </a:p>
@@ -1467,7 +1467,7 @@
           <a:p>
             <a:fld id="{B01F9CA3-105E-4857-9057-6DB6197DA786}" type="datetimeFigureOut">
               <a:rPr lang="en-US" smtClean="0"/>
-              <a:t>7/27/22</a:t>
+              <a:t>7/28/22</a:t>
             </a:fld>
             <a:endParaRPr lang="en-US"/>
           </a:p>
@@ -1790,7 +1790,7 @@
           <a:p>
             <a:fld id="{B01F9CA3-105E-4857-9057-6DB6197DA786}" type="datetimeFigureOut">
               <a:rPr lang="en-US" smtClean="0"/>
-              <a:t>7/27/22</a:t>
+              <a:t>7/28/22</a:t>
             </a:fld>
             <a:endParaRPr lang="en-US"/>
           </a:p>
@@ -2088,7 +2088,7 @@
           <a:p>
             <a:fld id="{B01F9CA3-105E-4857-9057-6DB6197DA786}" type="datetimeFigureOut">
               <a:rPr lang="en-US" smtClean="0"/>
-              <a:t>7/27/22</a:t>
+              <a:t>7/28/22</a:t>
             </a:fld>
             <a:endParaRPr lang="en-US"/>
           </a:p>
@@ -2544,7 +2544,7 @@
           <a:p>
             <a:fld id="{B01F9CA3-105E-4857-9057-6DB6197DA786}" type="datetimeFigureOut">
               <a:rPr lang="en-US" smtClean="0"/>
-              <a:t>7/27/22</a:t>
+              <a:t>7/28/22</a:t>
             </a:fld>
             <a:endParaRPr lang="en-US"/>
           </a:p>
@@ -2657,7 +2657,7 @@
           <a:p>
             <a:fld id="{B01F9CA3-105E-4857-9057-6DB6197DA786}" type="datetimeFigureOut">
               <a:rPr lang="en-US" smtClean="0"/>
-              <a:t>7/27/22</a:t>
+              <a:t>7/28/22</a:t>
             </a:fld>
             <a:endParaRPr lang="en-US"/>
           </a:p>
@@ -2747,7 +2747,7 @@
           <a:p>
             <a:fld id="{B01F9CA3-105E-4857-9057-6DB6197DA786}" type="datetimeFigureOut">
               <a:rPr lang="en-US" smtClean="0"/>
-              <a:t>7/27/22</a:t>
+              <a:t>7/28/22</a:t>
             </a:fld>
             <a:endParaRPr lang="en-US"/>
           </a:p>
@@ -3029,7 +3029,7 @@
           <a:p>
             <a:fld id="{B01F9CA3-105E-4857-9057-6DB6197DA786}" type="datetimeFigureOut">
               <a:rPr lang="en-US" smtClean="0"/>
-              <a:t>7/27/22</a:t>
+              <a:t>7/28/22</a:t>
             </a:fld>
             <a:endParaRPr lang="en-US"/>
           </a:p>
@@ -3235,7 +3235,7 @@
           <a:p>
             <a:fld id="{B01F9CA3-105E-4857-9057-6DB6197DA786}" type="datetimeFigureOut">
               <a:rPr lang="en-US" smtClean="0"/>
-              <a:t>7/27/22</a:t>
+              <a:t>7/28/22</a:t>
             </a:fld>
             <a:endParaRPr lang="en-US"/>
           </a:p>
@@ -4134,7 +4134,7 @@
           <a:p>
             <a:r>
               <a:rPr lang="en-US" dirty="0"/>
-              <a:t>Building a Simple Search Expression Language</a:t>
+              <a:t>Building a Dice Roll Expression Language</a:t>
             </a:r>
           </a:p>
         </p:txBody>
@@ -4274,7 +4274,15 @@
           <a:p>
             <a:r>
               <a:rPr lang="en-US" dirty="0"/>
-              <a:t>Building a Simple Search Expression Language</a:t>
+              <a:t>Building </a:t>
+            </a:r>
+            <a:r>
+              <a:rPr lang="en-US"/>
+              <a:t>a Dice Roll </a:t>
+            </a:r>
+            <a:r>
+              <a:rPr lang="en-US" dirty="0"/>
+              <a:t>Expression Language</a:t>
             </a:r>
           </a:p>
         </p:txBody>
